--- a/classes/prog2017/Lab04.pptx
+++ b/classes/prog2017/Lab04.pptx
@@ -3539,8 +3539,13 @@
           <a:p>
             <a:r>
               <a:rPr lang="en-US" dirty="0"/>
-              <a:t>For Lab #5:</a:t>
-            </a:r>
+              <a:t>For </a:t>
+            </a:r>
+            <a:r>
+              <a:rPr lang="en-US"/>
+              <a:t>Lab #4:</a:t>
+            </a:r>
+            <a:endParaRPr lang="en-US" dirty="0"/>
           </a:p>
           <a:p>
             <a:r>
